--- a/conference/Галиева_Р.А._презентация.pptx
+++ b/conference/Галиева_Р.А._презентация.pptx
@@ -5,7 +5,7 @@
     <p:sldMasterId id="2147483659" r:id="rId1"/>
   </p:sldMasterIdLst>
   <p:notesMasterIdLst>
-    <p:notesMasterId r:id="rId9"/>
+    <p:notesMasterId r:id="rId10"/>
   </p:notesMasterIdLst>
   <p:sldIdLst>
     <p:sldId id="256" r:id="rId2"/>
@@ -13,27 +13,28 @@
     <p:sldId id="257" r:id="rId4"/>
     <p:sldId id="303" r:id="rId5"/>
     <p:sldId id="290" r:id="rId6"/>
-    <p:sldId id="288" r:id="rId7"/>
-    <p:sldId id="279" r:id="rId8"/>
+    <p:sldId id="304" r:id="rId7"/>
+    <p:sldId id="288" r:id="rId8"/>
+    <p:sldId id="279" r:id="rId9"/>
   </p:sldIdLst>
   <p:sldSz cx="9144000" cy="5143500" type="screen16x9"/>
   <p:notesSz cx="6858000" cy="9144000"/>
   <p:embeddedFontLst>
     <p:embeddedFont>
+      <p:font typeface="Dosis" panose="020B0604020202020204" charset="0"/>
+      <p:regular r:id="rId11"/>
+      <p:bold r:id="rId12"/>
+    </p:embeddedFont>
+    <p:embeddedFont>
       <p:font typeface="Blogger Sans Light" panose="02000506030000020004" pitchFamily="50" charset="0"/>
-      <p:regular r:id="rId10"/>
+      <p:regular r:id="rId13"/>
     </p:embeddedFont>
     <p:embeddedFont>
       <p:font typeface="Roboto" panose="020B0604020202020204" charset="0"/>
-      <p:regular r:id="rId11"/>
-      <p:bold r:id="rId12"/>
-      <p:italic r:id="rId13"/>
-      <p:boldItalic r:id="rId14"/>
-    </p:embeddedFont>
-    <p:embeddedFont>
-      <p:font typeface="Dosis" panose="020B0604020202020204" charset="0"/>
-      <p:regular r:id="rId15"/>
-      <p:bold r:id="rId16"/>
+      <p:regular r:id="rId14"/>
+      <p:bold r:id="rId15"/>
+      <p:italic r:id="rId16"/>
+      <p:boldItalic r:id="rId17"/>
     </p:embeddedFont>
   </p:embeddedFontLst>
   <p:defaultTextStyle>
@@ -1254,6 +1255,115 @@
   <p:cSld>
     <p:spTree>
       <p:nvGrpSpPr>
+        <p:cNvPr id="1" name="Shape 110"/>
+        <p:cNvGrpSpPr/>
+        <p:nvPr/>
+      </p:nvGrpSpPr>
+      <p:grpSpPr>
+        <a:xfrm>
+          <a:off x="0" y="0"/>
+          <a:ext cx="0" cy="0"/>
+          <a:chOff x="0" y="0"/>
+          <a:chExt cx="0" cy="0"/>
+        </a:xfrm>
+      </p:grpSpPr>
+      <p:sp>
+        <p:nvSpPr>
+          <p:cNvPr id="111" name="Google Shape;111;g3606f1c2d_30:notes"/>
+          <p:cNvSpPr>
+            <a:spLocks noGrp="1" noRot="1" noChangeAspect="1"/>
+          </p:cNvSpPr>
+          <p:nvPr>
+            <p:ph type="sldImg" idx="2"/>
+          </p:nvPr>
+        </p:nvSpPr>
+        <p:spPr>
+          <a:xfrm>
+            <a:off x="381000" y="685800"/>
+            <a:ext cx="6096000" cy="3429000"/>
+          </a:xfrm>
+          <a:custGeom>
+            <a:avLst/>
+            <a:gdLst/>
+            <a:ahLst/>
+            <a:cxnLst/>
+            <a:rect l="l" t="t" r="r" b="b"/>
+            <a:pathLst>
+              <a:path w="120000" h="120000" extrusionOk="0">
+                <a:moveTo>
+                  <a:pt x="0" y="0"/>
+                </a:moveTo>
+                <a:lnTo>
+                  <a:pt x="120000" y="0"/>
+                </a:lnTo>
+                <a:lnTo>
+                  <a:pt x="120000" y="120000"/>
+                </a:lnTo>
+                <a:lnTo>
+                  <a:pt x="0" y="120000"/>
+                </a:lnTo>
+                <a:close/>
+              </a:path>
+            </a:pathLst>
+          </a:custGeom>
+        </p:spPr>
+      </p:sp>
+      <p:sp>
+        <p:nvSpPr>
+          <p:cNvPr id="112" name="Google Shape;112;g3606f1c2d_30:notes"/>
+          <p:cNvSpPr txBox="1">
+            <a:spLocks noGrp="1"/>
+          </p:cNvSpPr>
+          <p:nvPr>
+            <p:ph type="body" idx="1"/>
+          </p:nvPr>
+        </p:nvSpPr>
+        <p:spPr>
+          <a:xfrm>
+            <a:off x="685800" y="4343400"/>
+            <a:ext cx="5486400" cy="4114800"/>
+          </a:xfrm>
+          <a:prstGeom prst="rect">
+            <a:avLst/>
+          </a:prstGeom>
+        </p:spPr>
+        <p:txBody>
+          <a:bodyPr spcFirstLastPara="1" wrap="square" lIns="91425" tIns="91425" rIns="91425" bIns="91425" anchor="t" anchorCtr="0">
+            <a:noAutofit/>
+          </a:bodyPr>
+          <a:lstStyle/>
+          <a:p>
+            <a:pPr marL="0" lvl="0" indent="0" algn="l" rtl="0">
+              <a:spcBef>
+                <a:spcPts val="0"/>
+              </a:spcBef>
+              <a:spcAft>
+                <a:spcPts val="0"/>
+              </a:spcAft>
+              <a:buNone/>
+            </a:pPr>
+            <a:endParaRPr/>
+          </a:p>
+        </p:txBody>
+      </p:sp>
+    </p:spTree>
+    <p:extLst>
+      <p:ext uri="{BB962C8B-B14F-4D97-AF65-F5344CB8AC3E}">
+        <p14:creationId xmlns:p14="http://schemas.microsoft.com/office/powerpoint/2010/main" val="2570092"/>
+      </p:ext>
+    </p:extLst>
+  </p:cSld>
+  <p:clrMapOvr>
+    <a:masterClrMapping/>
+  </p:clrMapOvr>
+</p:notes>
+</file>
+
+<file path=ppt/notesSlides/notesSlide7.xml><?xml version="1.0" encoding="utf-8"?>
+<p:notes xmlns:a="http://schemas.openxmlformats.org/drawingml/2006/main" xmlns:r="http://schemas.openxmlformats.org/officeDocument/2006/relationships" xmlns:p="http://schemas.openxmlformats.org/presentationml/2006/main" showMasterSp="0" showMasterPhAnim="0">
+  <p:cSld>
+    <p:spTree>
+      <p:nvGrpSpPr>
         <p:cNvPr id="1" name="Shape 146"/>
         <p:cNvGrpSpPr/>
         <p:nvPr/>
@@ -1358,7 +1468,7 @@
 </p:notes>
 </file>
 
-<file path=ppt/notesSlides/notesSlide7.xml><?xml version="1.0" encoding="utf-8"?>
+<file path=ppt/notesSlides/notesSlide8.xml><?xml version="1.0" encoding="utf-8"?>
 <p:notes xmlns:a="http://schemas.openxmlformats.org/drawingml/2006/main" xmlns:r="http://schemas.openxmlformats.org/officeDocument/2006/relationships" xmlns:p="http://schemas.openxmlformats.org/presentationml/2006/main" showMasterSp="0" showMasterPhAnim="0">
   <p:cSld>
     <p:spTree>
@@ -4519,8 +4629,8 @@
         </p:nvSpPr>
         <p:spPr>
           <a:xfrm>
-            <a:off x="512471" y="2348346"/>
-            <a:ext cx="6206477" cy="1595691"/>
+            <a:off x="512471" y="1586346"/>
+            <a:ext cx="6503657" cy="2357692"/>
           </a:xfrm>
           <a:prstGeom prst="rect">
             <a:avLst/>
@@ -4783,7 +4893,7 @@
           </a:lstStyle>
           <a:p>
             <a:r>
-              <a:rPr lang="ru-RU" sz="2800" b="1" dirty="0" smtClean="0">
+              <a:rPr lang="ru-RU" sz="2600" b="1" dirty="0" smtClean="0">
                 <a:solidFill>
                   <a:schemeClr val="bg1"/>
                 </a:solidFill>
@@ -4791,20 +4901,12 @@
                 <a:ea typeface="Blogger Sans Light" panose="02000506030000020004" pitchFamily="50" charset="0"/>
                 <a:cs typeface="Times New Roman" panose="02020603050405020304" pitchFamily="18" charset="0"/>
               </a:rPr>
-              <a:t>РАЗРАБОТКА ВЕБ-ПРИЛОЖЕНИЯ </a:t>
-            </a:r>
-            <a:endParaRPr lang="ru-RU" sz="2800" b="1" dirty="0" smtClean="0">
-              <a:solidFill>
-                <a:schemeClr val="bg1"/>
-              </a:solidFill>
-              <a:latin typeface="Blogger Sans Light" panose="02000506030000020004" pitchFamily="50" charset="0"/>
-              <a:ea typeface="Blogger Sans Light" panose="02000506030000020004" pitchFamily="50" charset="0"/>
-              <a:cs typeface="Times New Roman" panose="02020603050405020304" pitchFamily="18" charset="0"/>
-            </a:endParaRPr>
+              <a:t>ВЫПУСКНАЯ КВАЛИФИКАЦИОННАЯ </a:t>
+            </a:r>
           </a:p>
           <a:p>
             <a:r>
-              <a:rPr lang="ru-RU" sz="2800" b="1" dirty="0" smtClean="0">
+              <a:rPr lang="ru-RU" sz="2600" b="1" dirty="0" smtClean="0">
                 <a:solidFill>
                   <a:schemeClr val="bg1"/>
                 </a:solidFill>
@@ -4812,10 +4914,12 @@
                 <a:ea typeface="Blogger Sans Light" panose="02000506030000020004" pitchFamily="50" charset="0"/>
                 <a:cs typeface="Times New Roman" panose="02020603050405020304" pitchFamily="18" charset="0"/>
               </a:rPr>
-              <a:t>ДЛЯ </a:t>
-            </a:r>
-            <a:r>
-              <a:rPr lang="ru-RU" sz="2800" b="1" dirty="0" smtClean="0">
+              <a:t>РАБОТА НА ТЕМУ:  </a:t>
+            </a:r>
+          </a:p>
+          <a:p>
+            <a:r>
+              <a:rPr lang="ru-RU" sz="2600" b="1" dirty="0" smtClean="0">
                 <a:solidFill>
                   <a:schemeClr val="bg1"/>
                 </a:solidFill>
@@ -4823,20 +4927,10 @@
                 <a:ea typeface="Blogger Sans Light" panose="02000506030000020004" pitchFamily="50" charset="0"/>
                 <a:cs typeface="Times New Roman" panose="02020603050405020304" pitchFamily="18" charset="0"/>
               </a:rPr>
-              <a:t>ЧТЕНИЯ КОМИКСОВ </a:t>
-            </a:r>
-            <a:endParaRPr lang="ru-RU" sz="2800" b="1" dirty="0" smtClean="0">
-              <a:solidFill>
-                <a:schemeClr val="bg1"/>
-              </a:solidFill>
-              <a:latin typeface="Blogger Sans Light" panose="02000506030000020004" pitchFamily="50" charset="0"/>
-              <a:ea typeface="Blogger Sans Light" panose="02000506030000020004" pitchFamily="50" charset="0"/>
-              <a:cs typeface="Times New Roman" panose="02020603050405020304" pitchFamily="18" charset="0"/>
-            </a:endParaRPr>
-          </a:p>
-          <a:p>
-            <a:r>
-              <a:rPr lang="ru-RU" sz="2800" b="1" dirty="0" smtClean="0">
+              <a:t>«РАЗРАБОТКА </a:t>
+            </a:r>
+            <a:r>
+              <a:rPr lang="ru-RU" sz="2600" b="1" dirty="0" smtClean="0">
                 <a:solidFill>
                   <a:schemeClr val="bg1"/>
                 </a:solidFill>
@@ -4844,10 +4938,12 @@
                 <a:ea typeface="Blogger Sans Light" panose="02000506030000020004" pitchFamily="50" charset="0"/>
                 <a:cs typeface="Times New Roman" panose="02020603050405020304" pitchFamily="18" charset="0"/>
               </a:rPr>
-              <a:t>С </a:t>
-            </a:r>
-            <a:r>
-              <a:rPr lang="ru-RU" sz="2800" b="1" dirty="0" smtClean="0">
+              <a:t>ВЕБ-ПРИЛОЖЕНИЯ </a:t>
+            </a:r>
+          </a:p>
+          <a:p>
+            <a:r>
+              <a:rPr lang="ru-RU" sz="2600" b="1" dirty="0" smtClean="0">
                 <a:solidFill>
                   <a:schemeClr val="bg1"/>
                 </a:solidFill>
@@ -4855,9 +4951,33 @@
                 <a:ea typeface="Blogger Sans Light" panose="02000506030000020004" pitchFamily="50" charset="0"/>
                 <a:cs typeface="Times New Roman" panose="02020603050405020304" pitchFamily="18" charset="0"/>
               </a:rPr>
-              <a:t>ФУНКЦИЕЙ РАСПОЗНАВАНИЯ ТЕКСТА</a:t>
-            </a:r>
-            <a:endParaRPr lang="en-US" sz="2800" b="1" dirty="0">
+              <a:t>ДЛЯ ЧТЕНИЯ КОМИКСОВ </a:t>
+            </a:r>
+          </a:p>
+          <a:p>
+            <a:r>
+              <a:rPr lang="ru-RU" sz="2600" b="1" dirty="0" smtClean="0">
+                <a:solidFill>
+                  <a:schemeClr val="bg1"/>
+                </a:solidFill>
+                <a:latin typeface="Blogger Sans Light" panose="02000506030000020004" pitchFamily="50" charset="0"/>
+                <a:ea typeface="Blogger Sans Light" panose="02000506030000020004" pitchFamily="50" charset="0"/>
+                <a:cs typeface="Times New Roman" panose="02020603050405020304" pitchFamily="18" charset="0"/>
+              </a:rPr>
+              <a:t>С ФУНКЦИЕЙ РАСПОЗНАВАНИЯ </a:t>
+            </a:r>
+            <a:r>
+              <a:rPr lang="ru-RU" sz="2600" b="1" dirty="0" smtClean="0">
+                <a:solidFill>
+                  <a:schemeClr val="bg1"/>
+                </a:solidFill>
+                <a:latin typeface="Blogger Sans Light" panose="02000506030000020004" pitchFamily="50" charset="0"/>
+                <a:ea typeface="Blogger Sans Light" panose="02000506030000020004" pitchFamily="50" charset="0"/>
+                <a:cs typeface="Times New Roman" panose="02020603050405020304" pitchFamily="18" charset="0"/>
+              </a:rPr>
+              <a:t>ТЕКСТА»</a:t>
+            </a:r>
+            <a:endParaRPr lang="en-US" sz="2600" b="1" dirty="0">
               <a:solidFill>
                 <a:schemeClr val="bg1"/>
               </a:solidFill>
@@ -5139,8 +5259,8 @@
         </p:nvSpPr>
         <p:spPr>
           <a:xfrm>
-            <a:off x="2191086" y="169457"/>
-            <a:ext cx="4825042" cy="861774"/>
+            <a:off x="1482435" y="169457"/>
+            <a:ext cx="6220691" cy="1034129"/>
           </a:xfrm>
           <a:prstGeom prst="rect">
             <a:avLst/>
@@ -5174,7 +5294,7 @@
               <a:buNone/>
             </a:pPr>
             <a:r>
-              <a:rPr lang="en-US" sz="1000" i="0" u="none" strike="noStrike" cap="none" dirty="0">
+              <a:rPr lang="en-US" sz="1200" i="0" u="none" strike="noStrike" cap="none" dirty="0">
                 <a:solidFill>
                   <a:schemeClr val="bg1"/>
                 </a:solidFill>
@@ -5186,7 +5306,7 @@
               <a:t>Министерство науки и высшего </a:t>
             </a:r>
             <a:r>
-              <a:rPr lang="en-US" sz="1000" i="0" u="none" strike="noStrike" cap="none" dirty="0" err="1">
+              <a:rPr lang="en-US" sz="1200" i="0" u="none" strike="noStrike" cap="none" dirty="0" err="1">
                 <a:solidFill>
                   <a:schemeClr val="bg1"/>
                 </a:solidFill>
@@ -5198,7 +5318,7 @@
               <a:t>образования</a:t>
             </a:r>
             <a:r>
-              <a:rPr lang="en-US" sz="1000" i="0" u="none" strike="noStrike" cap="none" dirty="0">
+              <a:rPr lang="en-US" sz="1200" i="0" u="none" strike="noStrike" cap="none" dirty="0">
                 <a:solidFill>
                   <a:schemeClr val="bg1"/>
                 </a:solidFill>
@@ -5210,7 +5330,7 @@
               <a:t> </a:t>
             </a:r>
             <a:r>
-              <a:rPr lang="en-US" sz="1000" i="0" u="none" strike="noStrike" cap="none" dirty="0" err="1">
+              <a:rPr lang="en-US" sz="1200" i="0" u="none" strike="noStrike" cap="none" dirty="0" err="1">
                 <a:solidFill>
                   <a:schemeClr val="bg1"/>
                 </a:solidFill>
@@ -5222,7 +5342,7 @@
               <a:t>Российской</a:t>
             </a:r>
             <a:r>
-              <a:rPr lang="en-US" sz="1000" i="0" u="none" strike="noStrike" cap="none" dirty="0">
+              <a:rPr lang="en-US" sz="1200" i="0" u="none" strike="noStrike" cap="none" dirty="0">
                 <a:solidFill>
                   <a:schemeClr val="bg1"/>
                 </a:solidFill>
@@ -5234,7 +5354,7 @@
               <a:t> </a:t>
             </a:r>
             <a:r>
-              <a:rPr lang="en-US" sz="1000" i="0" u="none" strike="noStrike" cap="none" dirty="0" err="1" smtClean="0">
+              <a:rPr lang="en-US" sz="1200" i="0" u="none" strike="noStrike" cap="none" dirty="0" err="1" smtClean="0">
                 <a:solidFill>
                   <a:schemeClr val="bg1"/>
                 </a:solidFill>
@@ -5245,7 +5365,7 @@
               </a:rPr>
               <a:t>Федерации</a:t>
             </a:r>
-            <a:endParaRPr sz="1000" i="0" u="none" strike="noStrike" cap="none" dirty="0">
+            <a:endParaRPr sz="1200" i="0" u="none" strike="noStrike" cap="none" dirty="0">
               <a:solidFill>
                 <a:schemeClr val="bg1"/>
               </a:solidFill>
@@ -5274,7 +5394,7 @@
               <a:buNone/>
             </a:pPr>
             <a:r>
-              <a:rPr lang="en-US" sz="1000" i="0" u="none" strike="noStrike" cap="none" dirty="0" err="1">
+              <a:rPr lang="en-US" sz="1200" i="0" u="none" strike="noStrike" cap="none" dirty="0" err="1">
                 <a:solidFill>
                   <a:schemeClr val="bg1"/>
                 </a:solidFill>
@@ -5286,7 +5406,7 @@
               <a:t>Федеральное</a:t>
             </a:r>
             <a:r>
-              <a:rPr lang="en-US" sz="1000" i="0" u="none" strike="noStrike" cap="none" dirty="0">
+              <a:rPr lang="en-US" sz="1200" i="0" u="none" strike="noStrike" cap="none" dirty="0">
                 <a:solidFill>
                   <a:schemeClr val="bg1"/>
                 </a:solidFill>
@@ -5298,7 +5418,7 @@
               <a:t> </a:t>
             </a:r>
             <a:r>
-              <a:rPr lang="en-US" sz="1000" i="0" u="none" strike="noStrike" cap="none" dirty="0" err="1">
+              <a:rPr lang="en-US" sz="1200" i="0" u="none" strike="noStrike" cap="none" dirty="0" err="1">
                 <a:solidFill>
                   <a:schemeClr val="bg1"/>
                 </a:solidFill>
@@ -5310,7 +5430,7 @@
               <a:t>государственное</a:t>
             </a:r>
             <a:r>
-              <a:rPr lang="en-US" sz="1000" i="0" u="none" strike="noStrike" cap="none" dirty="0">
+              <a:rPr lang="en-US" sz="1200" i="0" u="none" strike="noStrike" cap="none" dirty="0">
                 <a:solidFill>
                   <a:schemeClr val="bg1"/>
                 </a:solidFill>
@@ -5322,7 +5442,7 @@
               <a:t> </a:t>
             </a:r>
             <a:r>
-              <a:rPr lang="en-US" sz="1000" i="0" u="none" strike="noStrike" cap="none" dirty="0" err="1">
+              <a:rPr lang="en-US" sz="1200" i="0" u="none" strike="noStrike" cap="none" dirty="0" err="1">
                 <a:solidFill>
                   <a:schemeClr val="bg1"/>
                 </a:solidFill>
@@ -5334,7 +5454,7 @@
               <a:t>бюджетное</a:t>
             </a:r>
             <a:r>
-              <a:rPr lang="en-US" sz="1000" i="0" u="none" strike="noStrike" cap="none" dirty="0">
+              <a:rPr lang="en-US" sz="1200" i="0" u="none" strike="noStrike" cap="none" dirty="0">
                 <a:solidFill>
                   <a:schemeClr val="bg1"/>
                 </a:solidFill>
@@ -5346,7 +5466,7 @@
               <a:t> </a:t>
             </a:r>
             <a:r>
-              <a:rPr lang="en-US" sz="1000" i="0" u="none" strike="noStrike" cap="none" dirty="0" err="1" smtClean="0">
+              <a:rPr lang="en-US" sz="1200" i="0" u="none" strike="noStrike" cap="none" dirty="0" err="1" smtClean="0">
                 <a:solidFill>
                   <a:schemeClr val="bg1"/>
                 </a:solidFill>
@@ -5358,7 +5478,7 @@
               <a:t>образовательное</a:t>
             </a:r>
             <a:r>
-              <a:rPr lang="en-US" sz="1000" i="0" u="none" strike="noStrike" cap="none" dirty="0" smtClean="0">
+              <a:rPr lang="en-US" sz="1200" i="0" u="none" strike="noStrike" cap="none" dirty="0" smtClean="0">
                 <a:solidFill>
                   <a:schemeClr val="bg1"/>
                 </a:solidFill>
@@ -5370,7 +5490,7 @@
               <a:t> </a:t>
             </a:r>
             <a:r>
-              <a:rPr lang="en-US" sz="1000" i="0" u="none" strike="noStrike" cap="none" dirty="0" err="1">
+              <a:rPr lang="en-US" sz="1200" i="0" u="none" strike="noStrike" cap="none" dirty="0" err="1">
                 <a:solidFill>
                   <a:schemeClr val="bg1"/>
                 </a:solidFill>
@@ -5382,7 +5502,7 @@
               <a:t>учреждение</a:t>
             </a:r>
             <a:r>
-              <a:rPr lang="en-US" sz="1000" i="0" u="none" strike="noStrike" cap="none" dirty="0">
+              <a:rPr lang="en-US" sz="1200" i="0" u="none" strike="noStrike" cap="none" dirty="0">
                 <a:solidFill>
                   <a:schemeClr val="bg1"/>
                 </a:solidFill>
@@ -5391,16 +5511,63 @@
                 <a:cs typeface="Times New Roman" panose="02020603050405020304" pitchFamily="18" charset="0"/>
                 <a:sym typeface="Playfair Display"/>
               </a:rPr>
-              <a:t> высшего</a:t>
-            </a:r>
-            <a:endParaRPr sz="1000" i="0" u="none" strike="noStrike" cap="none" dirty="0">
+              <a:t> </a:t>
+            </a:r>
+            <a:r>
+              <a:rPr lang="en-US" sz="1200" i="0" u="none" strike="noStrike" cap="none" dirty="0" err="1" smtClean="0">
+                <a:solidFill>
+                  <a:schemeClr val="bg1"/>
+                </a:solidFill>
+                <a:latin typeface="Blogger Sans Light" panose="02000506030000020004" pitchFamily="50" charset="0"/>
+                <a:ea typeface="Blogger Sans Light" panose="02000506030000020004" pitchFamily="50" charset="0"/>
+                <a:cs typeface="Times New Roman" panose="02020603050405020304" pitchFamily="18" charset="0"/>
+                <a:sym typeface="Playfair Display"/>
+              </a:rPr>
+              <a:t>высшего</a:t>
+            </a:r>
+            <a:r>
+              <a:rPr lang="ru-RU" sz="1200" dirty="0">
+                <a:solidFill>
+                  <a:schemeClr val="bg1"/>
+                </a:solidFill>
+                <a:latin typeface="Blogger Sans Light" panose="02000506030000020004" pitchFamily="50" charset="0"/>
+                <a:ea typeface="Blogger Sans Light" panose="02000506030000020004" pitchFamily="50" charset="0"/>
+                <a:cs typeface="Times New Roman" panose="02020603050405020304" pitchFamily="18" charset="0"/>
+              </a:rPr>
+              <a:t> </a:t>
+            </a:r>
+            <a:r>
+              <a:rPr lang="en-US" sz="1200" i="0" u="none" strike="noStrike" cap="none" dirty="0" err="1" smtClean="0">
+                <a:solidFill>
+                  <a:schemeClr val="bg1"/>
+                </a:solidFill>
+                <a:latin typeface="Blogger Sans Light" panose="02000506030000020004" pitchFamily="50" charset="0"/>
+                <a:ea typeface="Blogger Sans Light" panose="02000506030000020004" pitchFamily="50" charset="0"/>
+                <a:cs typeface="Times New Roman" panose="02020603050405020304" pitchFamily="18" charset="0"/>
+                <a:sym typeface="Playfair Display"/>
+              </a:rPr>
+              <a:t>образования</a:t>
+            </a:r>
+            <a:r>
+              <a:rPr lang="en-US" sz="1200" i="0" u="none" strike="noStrike" cap="none" dirty="0" smtClean="0">
+                <a:solidFill>
+                  <a:schemeClr val="bg1"/>
+                </a:solidFill>
+                <a:latin typeface="Blogger Sans Light" panose="02000506030000020004" pitchFamily="50" charset="0"/>
+                <a:ea typeface="Blogger Sans Light" panose="02000506030000020004" pitchFamily="50" charset="0"/>
+                <a:cs typeface="Times New Roman" panose="02020603050405020304" pitchFamily="18" charset="0"/>
+                <a:sym typeface="Playfair Display"/>
+              </a:rPr>
+              <a:t> </a:t>
+            </a:r>
+            <a:endParaRPr lang="ru-RU" sz="1200" i="0" u="none" strike="noStrike" cap="none" dirty="0" smtClean="0">
               <a:solidFill>
                 <a:schemeClr val="bg1"/>
               </a:solidFill>
               <a:latin typeface="Blogger Sans Light" panose="02000506030000020004" pitchFamily="50" charset="0"/>
               <a:ea typeface="Blogger Sans Light" panose="02000506030000020004" pitchFamily="50" charset="0"/>
               <a:cs typeface="Times New Roman" panose="02020603050405020304" pitchFamily="18" charset="0"/>
-              <a:sym typeface="Arial"/>
+              <a:sym typeface="Playfair Display"/>
             </a:endParaRPr>
           </a:p>
           <a:p>
@@ -5422,7 +5589,7 @@
               <a:buNone/>
             </a:pPr>
             <a:r>
-              <a:rPr lang="en-US" sz="1000" i="0" u="none" strike="noStrike" cap="none" dirty="0" err="1">
+              <a:rPr lang="en-US" sz="1200" i="0" u="none" strike="noStrike" cap="none" dirty="0" smtClean="0">
                 <a:solidFill>
                   <a:schemeClr val="bg1"/>
                 </a:solidFill>
@@ -5431,10 +5598,22 @@
                 <a:cs typeface="Times New Roman" panose="02020603050405020304" pitchFamily="18" charset="0"/>
                 <a:sym typeface="Playfair Display"/>
               </a:rPr>
-              <a:t>образования</a:t>
-            </a:r>
-            <a:r>
-              <a:rPr lang="en-US" sz="1000" i="0" u="none" strike="noStrike" cap="none" dirty="0">
+              <a:t>«</a:t>
+            </a:r>
+            <a:r>
+              <a:rPr lang="en-US" sz="1200" i="0" u="none" strike="noStrike" cap="none" dirty="0" err="1">
+                <a:solidFill>
+                  <a:schemeClr val="bg1"/>
+                </a:solidFill>
+                <a:latin typeface="Blogger Sans Light" panose="02000506030000020004" pitchFamily="50" charset="0"/>
+                <a:ea typeface="Blogger Sans Light" panose="02000506030000020004" pitchFamily="50" charset="0"/>
+                <a:cs typeface="Times New Roman" panose="02020603050405020304" pitchFamily="18" charset="0"/>
+                <a:sym typeface="Playfair Display"/>
+              </a:rPr>
+              <a:t>Казанский</a:t>
+            </a:r>
+            <a:r>
+              <a:rPr lang="en-US" sz="1200" i="0" u="none" strike="noStrike" cap="none" dirty="0">
                 <a:solidFill>
                   <a:schemeClr val="bg1"/>
                 </a:solidFill>
@@ -5446,7 +5625,7 @@
               <a:t> </a:t>
             </a:r>
             <a:r>
-              <a:rPr lang="en-US" sz="1000" i="0" u="none" strike="noStrike" cap="none" dirty="0" smtClean="0">
+              <a:rPr lang="en-US" sz="1200" i="0" u="none" strike="noStrike" cap="none" dirty="0" err="1">
                 <a:solidFill>
                   <a:schemeClr val="bg1"/>
                 </a:solidFill>
@@ -5455,22 +5634,10 @@
                 <a:cs typeface="Times New Roman" panose="02020603050405020304" pitchFamily="18" charset="0"/>
                 <a:sym typeface="Playfair Display"/>
               </a:rPr>
-              <a:t>«</a:t>
-            </a:r>
-            <a:r>
-              <a:rPr lang="en-US" sz="1000" i="0" u="none" strike="noStrike" cap="none" dirty="0" err="1">
-                <a:solidFill>
-                  <a:schemeClr val="bg1"/>
-                </a:solidFill>
-                <a:latin typeface="Blogger Sans Light" panose="02000506030000020004" pitchFamily="50" charset="0"/>
-                <a:ea typeface="Blogger Sans Light" panose="02000506030000020004" pitchFamily="50" charset="0"/>
-                <a:cs typeface="Times New Roman" panose="02020603050405020304" pitchFamily="18" charset="0"/>
-                <a:sym typeface="Playfair Display"/>
-              </a:rPr>
-              <a:t>Казанский</a:t>
-            </a:r>
-            <a:r>
-              <a:rPr lang="en-US" sz="1000" i="0" u="none" strike="noStrike" cap="none" dirty="0">
+              <a:t>национальный</a:t>
+            </a:r>
+            <a:r>
+              <a:rPr lang="en-US" sz="1200" i="0" u="none" strike="noStrike" cap="none" dirty="0">
                 <a:solidFill>
                   <a:schemeClr val="bg1"/>
                 </a:solidFill>
@@ -5482,7 +5649,7 @@
               <a:t> </a:t>
             </a:r>
             <a:r>
-              <a:rPr lang="en-US" sz="1000" i="0" u="none" strike="noStrike" cap="none" dirty="0" err="1">
+              <a:rPr lang="en-US" sz="1200" i="0" u="none" strike="noStrike" cap="none" dirty="0" err="1">
                 <a:solidFill>
                   <a:schemeClr val="bg1"/>
                 </a:solidFill>
@@ -5491,10 +5658,10 @@
                 <a:cs typeface="Times New Roman" panose="02020603050405020304" pitchFamily="18" charset="0"/>
                 <a:sym typeface="Playfair Display"/>
               </a:rPr>
-              <a:t>национальный</a:t>
-            </a:r>
-            <a:r>
-              <a:rPr lang="en-US" sz="1000" i="0" u="none" strike="noStrike" cap="none" dirty="0">
+              <a:t>исследовательский</a:t>
+            </a:r>
+            <a:r>
+              <a:rPr lang="en-US" sz="1200" i="0" u="none" strike="noStrike" cap="none" dirty="0">
                 <a:solidFill>
                   <a:schemeClr val="bg1"/>
                 </a:solidFill>
@@ -5503,10 +5670,10 @@
                 <a:cs typeface="Times New Roman" panose="02020603050405020304" pitchFamily="18" charset="0"/>
                 <a:sym typeface="Playfair Display"/>
               </a:rPr>
-              <a:t> исследовательский </a:t>
-            </a:r>
-            <a:r>
-              <a:rPr lang="en-US" sz="1000" i="0" u="none" strike="noStrike" cap="none" dirty="0" err="1">
+              <a:t> </a:t>
+            </a:r>
+            <a:r>
+              <a:rPr lang="en-US" sz="1200" i="0" u="none" strike="noStrike" cap="none" dirty="0" err="1" smtClean="0">
                 <a:solidFill>
                   <a:schemeClr val="bg1"/>
                 </a:solidFill>
@@ -5517,14 +5684,49 @@
               </a:rPr>
               <a:t>технологический</a:t>
             </a:r>
-            <a:endParaRPr sz="1000" i="0" u="none" strike="noStrike" cap="none" dirty="0">
+            <a:r>
+              <a:rPr lang="ru-RU" sz="1200" dirty="0">
+                <a:solidFill>
+                  <a:schemeClr val="bg1"/>
+                </a:solidFill>
+                <a:latin typeface="Blogger Sans Light" panose="02000506030000020004" pitchFamily="50" charset="0"/>
+                <a:ea typeface="Blogger Sans Light" panose="02000506030000020004" pitchFamily="50" charset="0"/>
+                <a:cs typeface="Times New Roman" panose="02020603050405020304" pitchFamily="18" charset="0"/>
+              </a:rPr>
+              <a:t> </a:t>
+            </a:r>
+            <a:r>
+              <a:rPr lang="en-US" sz="1200" i="0" u="none" strike="noStrike" cap="none" dirty="0" err="1" smtClean="0">
+                <a:solidFill>
+                  <a:schemeClr val="bg1"/>
+                </a:solidFill>
+                <a:latin typeface="Blogger Sans Light" panose="02000506030000020004" pitchFamily="50" charset="0"/>
+                <a:ea typeface="Blogger Sans Light" panose="02000506030000020004" pitchFamily="50" charset="0"/>
+                <a:cs typeface="Times New Roman" panose="02020603050405020304" pitchFamily="18" charset="0"/>
+                <a:sym typeface="Playfair Display"/>
+              </a:rPr>
+              <a:t>университет</a:t>
+            </a:r>
+            <a:r>
+              <a:rPr lang="en-US" sz="1200" i="0" u="none" strike="noStrike" cap="none" dirty="0" smtClean="0">
+                <a:solidFill>
+                  <a:schemeClr val="bg1"/>
+                </a:solidFill>
+                <a:latin typeface="Blogger Sans Light" panose="02000506030000020004" pitchFamily="50" charset="0"/>
+                <a:ea typeface="Blogger Sans Light" panose="02000506030000020004" pitchFamily="50" charset="0"/>
+                <a:cs typeface="Times New Roman" panose="02020603050405020304" pitchFamily="18" charset="0"/>
+                <a:sym typeface="Playfair Display"/>
+              </a:rPr>
+              <a:t>»</a:t>
+            </a:r>
+            <a:endParaRPr lang="ru-RU" sz="1200" i="0" u="none" strike="noStrike" cap="none" dirty="0" smtClean="0">
               <a:solidFill>
                 <a:schemeClr val="bg1"/>
               </a:solidFill>
               <a:latin typeface="Blogger Sans Light" panose="02000506030000020004" pitchFamily="50" charset="0"/>
               <a:ea typeface="Blogger Sans Light" panose="02000506030000020004" pitchFamily="50" charset="0"/>
               <a:cs typeface="Times New Roman" panose="02020603050405020304" pitchFamily="18" charset="0"/>
-              <a:sym typeface="Arial"/>
+              <a:sym typeface="Playfair Display"/>
             </a:endParaRPr>
           </a:p>
           <a:p>
@@ -5546,7 +5748,7 @@
               <a:buNone/>
             </a:pPr>
             <a:r>
-              <a:rPr lang="en-US" sz="1000" i="0" u="none" strike="noStrike" cap="none" dirty="0" err="1">
+              <a:rPr lang="en-US" sz="1200" i="0" u="none" strike="noStrike" cap="none" dirty="0" smtClean="0">
                 <a:solidFill>
                   <a:schemeClr val="bg1"/>
                 </a:solidFill>
@@ -5555,22 +5757,10 @@
                 <a:cs typeface="Times New Roman" panose="02020603050405020304" pitchFamily="18" charset="0"/>
                 <a:sym typeface="Playfair Display"/>
               </a:rPr>
-              <a:t>университет</a:t>
-            </a:r>
-            <a:r>
-              <a:rPr lang="en-US" sz="1000" i="0" u="none" strike="noStrike" cap="none" dirty="0">
-                <a:solidFill>
-                  <a:schemeClr val="bg1"/>
-                </a:solidFill>
-                <a:latin typeface="Blogger Sans Light" panose="02000506030000020004" pitchFamily="50" charset="0"/>
-                <a:ea typeface="Blogger Sans Light" panose="02000506030000020004" pitchFamily="50" charset="0"/>
-                <a:cs typeface="Times New Roman" panose="02020603050405020304" pitchFamily="18" charset="0"/>
-                <a:sym typeface="Playfair Display"/>
-              </a:rPr>
-              <a:t>» </a:t>
-            </a:r>
-            <a:r>
-              <a:rPr lang="en-US" sz="1000" i="0" u="none" strike="noStrike" cap="none" dirty="0" smtClean="0">
+              <a:t> </a:t>
+            </a:r>
+            <a:r>
+              <a:rPr lang="en-US" sz="1200" i="0" u="none" strike="noStrike" cap="none" dirty="0" smtClean="0">
                 <a:solidFill>
                   <a:schemeClr val="bg1"/>
                 </a:solidFill>
@@ -5582,7 +5772,7 @@
               <a:t>(</a:t>
             </a:r>
             <a:r>
-              <a:rPr lang="en-US" sz="1000" i="0" u="none" strike="noStrike" cap="none" dirty="0">
+              <a:rPr lang="en-US" sz="1200" i="0" u="none" strike="noStrike" cap="none" dirty="0">
                 <a:solidFill>
                   <a:schemeClr val="bg1"/>
                 </a:solidFill>
@@ -5593,7 +5783,7 @@
               </a:rPr>
               <a:t>ФГБОУ ВО «КНИТУ»)</a:t>
             </a:r>
-            <a:endParaRPr sz="1000" i="0" u="none" strike="noStrike" cap="none" dirty="0">
+            <a:endParaRPr sz="1200" i="0" u="none" strike="noStrike" cap="none" dirty="0">
               <a:solidFill>
                 <a:schemeClr val="bg1"/>
               </a:solidFill>
@@ -5715,6 +5905,280 @@
               <a:ea typeface="Blogger Sans Light" panose="02000506030000020004" pitchFamily="50" charset="0"/>
               <a:cs typeface="Times New Roman" panose="02020603050405020304" pitchFamily="18" charset="0"/>
               <a:sym typeface="Arial"/>
+            </a:endParaRPr>
+          </a:p>
+        </p:txBody>
+      </p:sp>
+      <p:sp>
+        <p:nvSpPr>
+          <p:cNvPr id="6" name="Subtitle 2"/>
+          <p:cNvSpPr txBox="1">
+            <a:spLocks/>
+          </p:cNvSpPr>
+          <p:nvPr/>
+        </p:nvSpPr>
+        <p:spPr>
+          <a:xfrm>
+            <a:off x="6019799" y="3862072"/>
+            <a:ext cx="3124201" cy="322924"/>
+          </a:xfrm>
+          <a:prstGeom prst="rect">
+            <a:avLst/>
+          </a:prstGeom>
+        </p:spPr>
+        <p:txBody>
+          <a:bodyPr>
+            <a:normAutofit/>
+          </a:bodyPr>
+          <a:lstStyle>
+            <a:defPPr marR="0" lvl="0" algn="l" rtl="0">
+              <a:lnSpc>
+                <a:spcPct val="100000"/>
+              </a:lnSpc>
+              <a:spcBef>
+                <a:spcPts val="0"/>
+              </a:spcBef>
+              <a:spcAft>
+                <a:spcPts val="0"/>
+              </a:spcAft>
+            </a:defPPr>
+            <a:lvl1pPr marR="0" lvl="0" algn="l" rtl="0">
+              <a:lnSpc>
+                <a:spcPct val="100000"/>
+              </a:lnSpc>
+              <a:spcBef>
+                <a:spcPts val="0"/>
+              </a:spcBef>
+              <a:spcAft>
+                <a:spcPts val="0"/>
+              </a:spcAft>
+              <a:buClr>
+                <a:srgbClr val="000000"/>
+              </a:buClr>
+              <a:buFont typeface="Arial"/>
+              <a:defRPr sz="1400" b="0" i="0" u="none" strike="noStrike" cap="none">
+                <a:solidFill>
+                  <a:srgbClr val="000000"/>
+                </a:solidFill>
+                <a:latin typeface="Arial"/>
+                <a:ea typeface="Arial"/>
+                <a:cs typeface="Arial"/>
+                <a:sym typeface="Arial"/>
+              </a:defRPr>
+            </a:lvl1pPr>
+            <a:lvl2pPr marR="0" lvl="1" algn="l" rtl="0">
+              <a:lnSpc>
+                <a:spcPct val="100000"/>
+              </a:lnSpc>
+              <a:spcBef>
+                <a:spcPts val="0"/>
+              </a:spcBef>
+              <a:spcAft>
+                <a:spcPts val="0"/>
+              </a:spcAft>
+              <a:buClr>
+                <a:srgbClr val="000000"/>
+              </a:buClr>
+              <a:buFont typeface="Arial"/>
+              <a:defRPr sz="1400" b="0" i="0" u="none" strike="noStrike" cap="none">
+                <a:solidFill>
+                  <a:srgbClr val="000000"/>
+                </a:solidFill>
+                <a:latin typeface="Arial"/>
+                <a:ea typeface="Arial"/>
+                <a:cs typeface="Arial"/>
+                <a:sym typeface="Arial"/>
+              </a:defRPr>
+            </a:lvl2pPr>
+            <a:lvl3pPr marR="0" lvl="2" algn="l" rtl="0">
+              <a:lnSpc>
+                <a:spcPct val="100000"/>
+              </a:lnSpc>
+              <a:spcBef>
+                <a:spcPts val="0"/>
+              </a:spcBef>
+              <a:spcAft>
+                <a:spcPts val="0"/>
+              </a:spcAft>
+              <a:buClr>
+                <a:srgbClr val="000000"/>
+              </a:buClr>
+              <a:buFont typeface="Arial"/>
+              <a:defRPr sz="1400" b="0" i="0" u="none" strike="noStrike" cap="none">
+                <a:solidFill>
+                  <a:srgbClr val="000000"/>
+                </a:solidFill>
+                <a:latin typeface="Arial"/>
+                <a:ea typeface="Arial"/>
+                <a:cs typeface="Arial"/>
+                <a:sym typeface="Arial"/>
+              </a:defRPr>
+            </a:lvl3pPr>
+            <a:lvl4pPr marR="0" lvl="3" algn="l" rtl="0">
+              <a:lnSpc>
+                <a:spcPct val="100000"/>
+              </a:lnSpc>
+              <a:spcBef>
+                <a:spcPts val="0"/>
+              </a:spcBef>
+              <a:spcAft>
+                <a:spcPts val="0"/>
+              </a:spcAft>
+              <a:buClr>
+                <a:srgbClr val="000000"/>
+              </a:buClr>
+              <a:buFont typeface="Arial"/>
+              <a:defRPr sz="1400" b="0" i="0" u="none" strike="noStrike" cap="none">
+                <a:solidFill>
+                  <a:srgbClr val="000000"/>
+                </a:solidFill>
+                <a:latin typeface="Arial"/>
+                <a:ea typeface="Arial"/>
+                <a:cs typeface="Arial"/>
+                <a:sym typeface="Arial"/>
+              </a:defRPr>
+            </a:lvl4pPr>
+            <a:lvl5pPr marR="0" lvl="4" algn="l" rtl="0">
+              <a:lnSpc>
+                <a:spcPct val="100000"/>
+              </a:lnSpc>
+              <a:spcBef>
+                <a:spcPts val="0"/>
+              </a:spcBef>
+              <a:spcAft>
+                <a:spcPts val="0"/>
+              </a:spcAft>
+              <a:buClr>
+                <a:srgbClr val="000000"/>
+              </a:buClr>
+              <a:buFont typeface="Arial"/>
+              <a:defRPr sz="1400" b="0" i="0" u="none" strike="noStrike" cap="none">
+                <a:solidFill>
+                  <a:srgbClr val="000000"/>
+                </a:solidFill>
+                <a:latin typeface="Arial"/>
+                <a:ea typeface="Arial"/>
+                <a:cs typeface="Arial"/>
+                <a:sym typeface="Arial"/>
+              </a:defRPr>
+            </a:lvl5pPr>
+            <a:lvl6pPr marR="0" lvl="5" algn="l" rtl="0">
+              <a:lnSpc>
+                <a:spcPct val="100000"/>
+              </a:lnSpc>
+              <a:spcBef>
+                <a:spcPts val="0"/>
+              </a:spcBef>
+              <a:spcAft>
+                <a:spcPts val="0"/>
+              </a:spcAft>
+              <a:buClr>
+                <a:srgbClr val="000000"/>
+              </a:buClr>
+              <a:buFont typeface="Arial"/>
+              <a:defRPr sz="1400" b="0" i="0" u="none" strike="noStrike" cap="none">
+                <a:solidFill>
+                  <a:srgbClr val="000000"/>
+                </a:solidFill>
+                <a:latin typeface="Arial"/>
+                <a:ea typeface="Arial"/>
+                <a:cs typeface="Arial"/>
+                <a:sym typeface="Arial"/>
+              </a:defRPr>
+            </a:lvl6pPr>
+            <a:lvl7pPr marR="0" lvl="6" algn="l" rtl="0">
+              <a:lnSpc>
+                <a:spcPct val="100000"/>
+              </a:lnSpc>
+              <a:spcBef>
+                <a:spcPts val="0"/>
+              </a:spcBef>
+              <a:spcAft>
+                <a:spcPts val="0"/>
+              </a:spcAft>
+              <a:buClr>
+                <a:srgbClr val="000000"/>
+              </a:buClr>
+              <a:buFont typeface="Arial"/>
+              <a:defRPr sz="1400" b="0" i="0" u="none" strike="noStrike" cap="none">
+                <a:solidFill>
+                  <a:srgbClr val="000000"/>
+                </a:solidFill>
+                <a:latin typeface="Arial"/>
+                <a:ea typeface="Arial"/>
+                <a:cs typeface="Arial"/>
+                <a:sym typeface="Arial"/>
+              </a:defRPr>
+            </a:lvl7pPr>
+            <a:lvl8pPr marR="0" lvl="7" algn="l" rtl="0">
+              <a:lnSpc>
+                <a:spcPct val="100000"/>
+              </a:lnSpc>
+              <a:spcBef>
+                <a:spcPts val="0"/>
+              </a:spcBef>
+              <a:spcAft>
+                <a:spcPts val="0"/>
+              </a:spcAft>
+              <a:buClr>
+                <a:srgbClr val="000000"/>
+              </a:buClr>
+              <a:buFont typeface="Arial"/>
+              <a:defRPr sz="1400" b="0" i="0" u="none" strike="noStrike" cap="none">
+                <a:solidFill>
+                  <a:srgbClr val="000000"/>
+                </a:solidFill>
+                <a:latin typeface="Arial"/>
+                <a:ea typeface="Arial"/>
+                <a:cs typeface="Arial"/>
+                <a:sym typeface="Arial"/>
+              </a:defRPr>
+            </a:lvl8pPr>
+            <a:lvl9pPr marR="0" lvl="8" algn="l" rtl="0">
+              <a:lnSpc>
+                <a:spcPct val="100000"/>
+              </a:lnSpc>
+              <a:spcBef>
+                <a:spcPts val="0"/>
+              </a:spcBef>
+              <a:spcAft>
+                <a:spcPts val="0"/>
+              </a:spcAft>
+              <a:buClr>
+                <a:srgbClr val="000000"/>
+              </a:buClr>
+              <a:buFont typeface="Arial"/>
+              <a:defRPr sz="1400" b="0" i="0" u="none" strike="noStrike" cap="none">
+                <a:solidFill>
+                  <a:srgbClr val="000000"/>
+                </a:solidFill>
+                <a:latin typeface="Arial"/>
+                <a:ea typeface="Arial"/>
+                <a:cs typeface="Arial"/>
+                <a:sym typeface="Arial"/>
+              </a:defRPr>
+            </a:lvl9pPr>
+          </a:lstStyle>
+          <a:p>
+            <a:pPr algn="r"/>
+            <a:r>
+              <a:rPr lang="ru-RU" dirty="0" smtClean="0">
+                <a:solidFill>
+                  <a:schemeClr val="bg1"/>
+                </a:solidFill>
+                <a:latin typeface="Blogger Sans Light" panose="02000506030000020004" pitchFamily="50" charset="0"/>
+                <a:ea typeface="Blogger Sans Light" panose="02000506030000020004" pitchFamily="50" charset="0"/>
+                <a:cs typeface="Times New Roman" panose="02020603050405020304" pitchFamily="18" charset="0"/>
+              </a:rPr>
+              <a:t>Руководитель ВКР: д.т.н. Титовцев А.С.</a:t>
+            </a:r>
+            <a:endParaRPr lang="ru-RU" dirty="0" smtClean="0">
+              <a:solidFill>
+                <a:schemeClr val="bg1"/>
+              </a:solidFill>
+              <a:latin typeface="Blogger Sans Light" panose="02000506030000020004" pitchFamily="50" charset="0"/>
+              <a:ea typeface="Blogger Sans Light" panose="02000506030000020004" pitchFamily="50" charset="0"/>
+              <a:cs typeface="Times New Roman" panose="02020603050405020304" pitchFamily="18" charset="0"/>
             </a:endParaRPr>
           </a:p>
         </p:txBody>
@@ -5865,20 +6329,12 @@
             </a:pPr>
             <a:r>
               <a:rPr lang="ru-RU" sz="1600" dirty="0" smtClean="0"/>
-              <a:t>Разработать веб-приложение для чтения комиксов и реализовать функцию перевода текста страниц с английского языка на русский.</a:t>
-            </a:r>
-            <a:endParaRPr sz="1600" dirty="0" smtClean="0"/>
-          </a:p>
-          <a:p>
-            <a:pPr marL="0" lvl="0" indent="0" algn="l" rtl="0">
-              <a:spcBef>
-                <a:spcPts val="600"/>
-              </a:spcBef>
-              <a:spcAft>
-                <a:spcPts val="0"/>
-              </a:spcAft>
-              <a:buNone/>
-            </a:pPr>
+              <a:t>Разработать веб-приложение для чтения комиксов и реализовать функцию </a:t>
+            </a:r>
+            <a:r>
+              <a:rPr lang="ru-RU" sz="1600" dirty="0" smtClean="0"/>
+              <a:t>распознавания текста с изображений.</a:t>
+            </a:r>
             <a:endParaRPr sz="1400" dirty="0"/>
           </a:p>
         </p:txBody>
@@ -5931,51 +6387,52 @@
             <a:pPr lvl="0"/>
             <a:r>
               <a:rPr lang="ru-RU" sz="1600" dirty="0" smtClean="0"/>
-              <a:t>Проанализировать </a:t>
+              <a:t>Анализ предметной области</a:t>
+            </a:r>
+            <a:r>
+              <a:rPr lang="en-US" sz="1600" dirty="0" smtClean="0"/>
+              <a:t>,</a:t>
+            </a:r>
+            <a:r>
+              <a:rPr lang="ru-RU" sz="1600" dirty="0" smtClean="0"/>
+              <a:t> определение функциональных </a:t>
             </a:r>
             <a:r>
               <a:rPr lang="ru-RU" sz="1600" dirty="0"/>
-              <a:t>предметную </a:t>
+              <a:t>и </a:t>
             </a:r>
             <a:r>
               <a:rPr lang="ru-RU" sz="1600" dirty="0" smtClean="0"/>
-              <a:t>область;</a:t>
-            </a:r>
-            <a:endParaRPr lang="ru-RU" sz="1600" dirty="0"/>
+              <a:t>нефункциональных требований </a:t>
+            </a:r>
+            <a:r>
+              <a:rPr lang="ru-RU" sz="1600" dirty="0"/>
+              <a:t>к системе</a:t>
+            </a:r>
+            <a:r>
+              <a:rPr lang="ru-RU" sz="1600" dirty="0" smtClean="0"/>
+              <a:t>;</a:t>
+            </a:r>
+            <a:endParaRPr lang="ru-RU" sz="1600" dirty="0" smtClean="0"/>
           </a:p>
           <a:p>
             <a:pPr lvl="0"/>
             <a:r>
-              <a:rPr lang="ru-RU" sz="1600" dirty="0"/>
-              <a:t>Определить функциональные и нефункциональные требования к системе</a:t>
-            </a:r>
-            <a:r>
               <a:rPr lang="ru-RU" sz="1600" dirty="0" smtClean="0"/>
-              <a:t>;</a:t>
+              <a:t>Построение макетов системы;</a:t>
             </a:r>
           </a:p>
           <a:p>
             <a:pPr lvl="0"/>
             <a:r>
               <a:rPr lang="ru-RU" sz="1600" dirty="0" smtClean="0"/>
-              <a:t>Построить </a:t>
-            </a:r>
-            <a:r>
-              <a:rPr lang="ru-RU" sz="1600" dirty="0"/>
-              <a:t>макеты </a:t>
-            </a:r>
-            <a:r>
-              <a:rPr lang="ru-RU" sz="1600" dirty="0" smtClean="0"/>
-              <a:t>системы</a:t>
-            </a:r>
-            <a:r>
-              <a:rPr lang="ru-RU" sz="1600" dirty="0"/>
-              <a:t>, продумать дизайн в соответствии с ожиданиями целевой аудитории; </a:t>
-            </a:r>
+              <a:t>Создать базу данных;</a:t>
+            </a:r>
+            <a:endParaRPr lang="ru-RU" sz="1600" dirty="0" smtClean="0"/>
           </a:p>
           <a:p>
             <a:r>
-              <a:rPr lang="ru-RU" sz="1600" dirty="0"/>
+              <a:rPr lang="ru-RU" sz="1600" dirty="0" smtClean="0"/>
               <a:t>Разработать </a:t>
             </a:r>
             <a:r>
@@ -6137,8 +6594,8 @@
         </p:nvSpPr>
         <p:spPr>
           <a:xfrm>
-            <a:off x="1101374" y="1349549"/>
-            <a:ext cx="7574411" cy="3063123"/>
+            <a:off x="1870301" y="2171513"/>
+            <a:ext cx="1385516" cy="479250"/>
           </a:xfrm>
           <a:prstGeom prst="rect">
             <a:avLst/>
@@ -6150,37 +6607,14 @@
           </a:bodyPr>
           <a:lstStyle/>
           <a:p>
-            <a:pPr marL="0" lvl="0" indent="0">
+            <a:pPr marL="0" lvl="0" indent="0" algn="ctr">
               <a:buNone/>
             </a:pPr>
             <a:r>
-              <a:rPr lang="ru-RU" sz="2200" dirty="0"/>
-              <a:t>Предметной областью </a:t>
-            </a:r>
-            <a:r>
-              <a:rPr lang="ru-RU" sz="2200" dirty="0" smtClean="0"/>
-              <a:t>работы </a:t>
-            </a:r>
-            <a:r>
-              <a:rPr lang="ru-RU" sz="2200" dirty="0"/>
-              <a:t>является хранилище комиксов. </a:t>
-            </a:r>
-            <a:br>
-              <a:rPr lang="ru-RU" sz="2200" dirty="0"/>
-            </a:br>
-            <a:r>
-              <a:rPr lang="ru-RU" sz="2200" dirty="0"/>
-              <a:t>В последнее время люди все чаще пользуются веб-приложениями для чтения графических романов. Однако далеко не все произведения переводятся на русский язык. Данная система позволит людям читать работы на их </a:t>
-            </a:r>
-            <a:r>
-              <a:rPr lang="ru-RU" sz="2200" dirty="0" smtClean="0"/>
-              <a:t>родном </a:t>
-            </a:r>
-            <a:r>
-              <a:rPr lang="ru-RU" sz="2200" dirty="0"/>
-              <a:t>языке благодаря машинному переводу страниц.</a:t>
-            </a:r>
-            <a:endParaRPr sz="2200" dirty="0"/>
+              <a:rPr lang="en-US" sz="1200" b="1" dirty="0" err="1" smtClean="0"/>
+              <a:t>MangaLib</a:t>
+            </a:r>
+            <a:endParaRPr sz="1200" b="1" dirty="0"/>
           </a:p>
         </p:txBody>
       </p:sp>
@@ -6223,6 +6657,178 @@
               <a:t>3</a:t>
             </a:fld>
             <a:endParaRPr dirty="0"/>
+          </a:p>
+        </p:txBody>
+      </p:sp>
+      <p:pic>
+        <p:nvPicPr>
+          <p:cNvPr id="2" name="Рисунок 1"/>
+          <p:cNvPicPr>
+            <a:picLocks noChangeAspect="1"/>
+          </p:cNvPicPr>
+          <p:nvPr/>
+        </p:nvPicPr>
+        <p:blipFill>
+          <a:blip r:embed="rId3">
+            <a:extLst>
+              <a:ext uri="{28A0092B-C50C-407E-A947-70E740481C1C}">
+                <a14:useLocalDpi xmlns:a14="http://schemas.microsoft.com/office/drawing/2010/main" val="0"/>
+              </a:ext>
+            </a:extLst>
+          </a:blip>
+          <a:stretch>
+            <a:fillRect/>
+          </a:stretch>
+        </p:blipFill>
+        <p:spPr>
+          <a:xfrm>
+            <a:off x="4661935" y="2660073"/>
+            <a:ext cx="3747830" cy="1787685"/>
+          </a:xfrm>
+          <a:prstGeom prst="rect">
+            <a:avLst/>
+          </a:prstGeom>
+        </p:spPr>
+      </p:pic>
+      <p:pic>
+        <p:nvPicPr>
+          <p:cNvPr id="3" name="Рисунок 2"/>
+          <p:cNvPicPr>
+            <a:picLocks noChangeAspect="1"/>
+          </p:cNvPicPr>
+          <p:nvPr/>
+        </p:nvPicPr>
+        <p:blipFill>
+          <a:blip r:embed="rId4">
+            <a:extLst>
+              <a:ext uri="{28A0092B-C50C-407E-A947-70E740481C1C}">
+                <a14:useLocalDpi xmlns:a14="http://schemas.microsoft.com/office/drawing/2010/main" val="0"/>
+              </a:ext>
+            </a:extLst>
+          </a:blip>
+          <a:stretch>
+            <a:fillRect/>
+          </a:stretch>
+        </p:blipFill>
+        <p:spPr>
+          <a:xfrm>
+            <a:off x="791621" y="2659983"/>
+            <a:ext cx="3542877" cy="1787775"/>
+          </a:xfrm>
+          <a:prstGeom prst="rect">
+            <a:avLst/>
+          </a:prstGeom>
+        </p:spPr>
+      </p:pic>
+      <p:sp>
+        <p:nvSpPr>
+          <p:cNvPr id="7" name="Google Shape;115;p14"/>
+          <p:cNvSpPr txBox="1">
+            <a:spLocks noGrp="1"/>
+          </p:cNvSpPr>
+          <p:nvPr>
+            <p:ph type="body" idx="2"/>
+          </p:nvPr>
+        </p:nvSpPr>
+        <p:spPr>
+          <a:xfrm>
+            <a:off x="6095937" y="2171513"/>
+            <a:ext cx="879825" cy="479250"/>
+          </a:xfrm>
+          <a:prstGeom prst="rect">
+            <a:avLst/>
+          </a:prstGeom>
+        </p:spPr>
+        <p:txBody>
+          <a:bodyPr spcFirstLastPara="1" wrap="square" lIns="91425" tIns="91425" rIns="91425" bIns="91425" anchor="t" anchorCtr="0">
+            <a:noAutofit/>
+          </a:bodyPr>
+          <a:lstStyle/>
+          <a:p>
+            <a:pPr marL="0" lvl="0" indent="0" algn="ctr">
+              <a:buNone/>
+            </a:pPr>
+            <a:r>
+              <a:rPr lang="en-US" sz="1200" b="1" dirty="0" err="1" smtClean="0"/>
+              <a:t>WebToon</a:t>
+            </a:r>
+            <a:endParaRPr sz="1200" b="1" dirty="0"/>
+          </a:p>
+        </p:txBody>
+      </p:sp>
+      <p:sp>
+        <p:nvSpPr>
+          <p:cNvPr id="8" name="Google Shape;115;p14"/>
+          <p:cNvSpPr txBox="1">
+            <a:spLocks noGrp="1"/>
+          </p:cNvSpPr>
+          <p:nvPr>
+            <p:ph type="body" idx="2"/>
+          </p:nvPr>
+        </p:nvSpPr>
+        <p:spPr>
+          <a:xfrm>
+            <a:off x="791621" y="1210629"/>
+            <a:ext cx="8322695" cy="630758"/>
+          </a:xfrm>
+          <a:prstGeom prst="rect">
+            <a:avLst/>
+          </a:prstGeom>
+        </p:spPr>
+        <p:txBody>
+          <a:bodyPr spcFirstLastPara="1" wrap="square" lIns="91425" tIns="91425" rIns="91425" bIns="91425" anchor="t" anchorCtr="0">
+            <a:noAutofit/>
+          </a:bodyPr>
+          <a:lstStyle/>
+          <a:p>
+            <a:pPr marL="0" lvl="0" indent="0">
+              <a:buNone/>
+            </a:pPr>
+            <a:r>
+              <a:rPr lang="ru-RU" sz="1800" dirty="0"/>
+              <a:t>Предметной областью работы является хранилище комиксов</a:t>
+            </a:r>
+            <a:r>
+              <a:rPr lang="ru-RU" sz="1800" dirty="0" smtClean="0"/>
+              <a:t>.</a:t>
+            </a:r>
+            <a:endParaRPr lang="ru-RU" sz="1800" dirty="0"/>
+          </a:p>
+        </p:txBody>
+      </p:sp>
+      <p:sp>
+        <p:nvSpPr>
+          <p:cNvPr id="9" name="Google Shape;115;p14"/>
+          <p:cNvSpPr txBox="1">
+            <a:spLocks noGrp="1"/>
+          </p:cNvSpPr>
+          <p:nvPr>
+            <p:ph type="body" idx="2"/>
+          </p:nvPr>
+        </p:nvSpPr>
+        <p:spPr>
+          <a:xfrm>
+            <a:off x="3857799" y="1709350"/>
+            <a:ext cx="1212963" cy="545337"/>
+          </a:xfrm>
+          <a:prstGeom prst="rect">
+            <a:avLst/>
+          </a:prstGeom>
+        </p:spPr>
+        <p:txBody>
+          <a:bodyPr spcFirstLastPara="1" wrap="square" lIns="91425" tIns="91425" rIns="91425" bIns="91425" anchor="t" anchorCtr="0">
+            <a:noAutofit/>
+          </a:bodyPr>
+          <a:lstStyle/>
+          <a:p>
+            <a:pPr marL="0" lvl="0" indent="0">
+              <a:buNone/>
+            </a:pPr>
+            <a:r>
+              <a:rPr lang="ru-RU" sz="1800" dirty="0" smtClean="0"/>
+              <a:t>Аналоги</a:t>
+            </a:r>
+            <a:endParaRPr lang="ru-RU" sz="1800" dirty="0"/>
           </a:p>
         </p:txBody>
       </p:sp>
@@ -6305,27 +6911,7 @@
                 <a:latin typeface="Blogger Sans Light" panose="02000506030000020004" pitchFamily="50" charset="0"/>
                 <a:ea typeface="Blogger Sans Light" panose="02000506030000020004" pitchFamily="50" charset="0"/>
               </a:rPr>
-              <a:t>Функциональные и нефункциональные </a:t>
-            </a:r>
-            <a:r>
-              <a:rPr lang="ru-RU" dirty="0" smtClean="0">
-                <a:latin typeface="Blogger Sans Light" panose="02000506030000020004" pitchFamily="50" charset="0"/>
-                <a:ea typeface="Blogger Sans Light" panose="02000506030000020004" pitchFamily="50" charset="0"/>
-              </a:rPr>
-              <a:t/>
-            </a:r>
-            <a:br>
-              <a:rPr lang="ru-RU" dirty="0" smtClean="0">
-                <a:latin typeface="Blogger Sans Light" panose="02000506030000020004" pitchFamily="50" charset="0"/>
-                <a:ea typeface="Blogger Sans Light" panose="02000506030000020004" pitchFamily="50" charset="0"/>
-              </a:rPr>
-            </a:br>
-            <a:r>
-              <a:rPr lang="ru-RU" dirty="0" smtClean="0">
-                <a:latin typeface="Blogger Sans Light" panose="02000506030000020004" pitchFamily="50" charset="0"/>
-                <a:ea typeface="Blogger Sans Light" panose="02000506030000020004" pitchFamily="50" charset="0"/>
-              </a:rPr>
-              <a:t>требования </a:t>
+              <a:t>Требования </a:t>
             </a:r>
             <a:r>
               <a:rPr lang="ru-RU" dirty="0" smtClean="0">
@@ -6353,8 +6939,8 @@
         </p:nvSpPr>
         <p:spPr>
           <a:xfrm>
-            <a:off x="1101374" y="1349549"/>
-            <a:ext cx="7574411" cy="3063123"/>
+            <a:off x="544152" y="1349550"/>
+            <a:ext cx="4544353" cy="645506"/>
           </a:xfrm>
           <a:prstGeom prst="rect">
             <a:avLst/>
@@ -6370,35 +6956,14 @@
               <a:buNone/>
             </a:pPr>
             <a:r>
-              <a:rPr lang="ru-RU" sz="2200" dirty="0" smtClean="0"/>
-              <a:t>Система </a:t>
-            </a:r>
-            <a:r>
-              <a:rPr lang="ru-RU" sz="2200" dirty="0" smtClean="0"/>
-              <a:t>позволит </a:t>
-            </a:r>
-            <a:r>
-              <a:rPr lang="ru-RU" sz="2200" dirty="0" smtClean="0"/>
-              <a:t>пользователям регистрироваться на сайте, читать комиксы, добавлять в список для чтения и оставлять отзывы. Также </a:t>
-            </a:r>
-            <a:r>
-              <a:rPr lang="ru-RU" sz="2200" dirty="0" smtClean="0"/>
-              <a:t>будет присутствовать </a:t>
-            </a:r>
-            <a:r>
-              <a:rPr lang="ru-RU" sz="2200" dirty="0" smtClean="0"/>
-              <a:t>функция перевода произведений с английского языка на русский.</a:t>
-            </a:r>
-          </a:p>
-          <a:p>
-            <a:pPr marL="0" lvl="0" indent="0">
-              <a:buNone/>
-            </a:pPr>
-            <a:r>
-              <a:rPr lang="ru-RU" sz="2200" dirty="0"/>
-              <a:t>К нефункциональным требованиям системы относятся дружественный интерфейс и привлекательный дизайн, соответствующий ожиданиям целевой аудитории. </a:t>
-            </a:r>
-            <a:endParaRPr sz="2200" dirty="0"/>
+              <a:rPr lang="ru-RU" sz="2000" dirty="0" smtClean="0">
+                <a:highlight>
+                  <a:schemeClr val="accent1"/>
+                </a:highlight>
+              </a:rPr>
+              <a:t>Функциональные требования</a:t>
+            </a:r>
+            <a:endParaRPr lang="ru-RU" sz="2000" dirty="0"/>
           </a:p>
         </p:txBody>
       </p:sp>
@@ -6441,6 +7006,152 @@
               <a:t>4</a:t>
             </a:fld>
             <a:endParaRPr dirty="0"/>
+          </a:p>
+        </p:txBody>
+      </p:sp>
+      <p:sp>
+        <p:nvSpPr>
+          <p:cNvPr id="5" name="Google Shape;115;p14"/>
+          <p:cNvSpPr txBox="1">
+            <a:spLocks noGrp="1"/>
+          </p:cNvSpPr>
+          <p:nvPr>
+            <p:ph type="body" idx="2"/>
+          </p:nvPr>
+        </p:nvSpPr>
+        <p:spPr>
+          <a:xfrm>
+            <a:off x="544153" y="1889878"/>
+            <a:ext cx="4641336" cy="2689050"/>
+          </a:xfrm>
+          <a:prstGeom prst="rect">
+            <a:avLst/>
+          </a:prstGeom>
+        </p:spPr>
+        <p:txBody>
+          <a:bodyPr spcFirstLastPara="1" wrap="square" lIns="91425" tIns="91425" rIns="91425" bIns="91425" anchor="t" anchorCtr="0">
+            <a:noAutofit/>
+          </a:bodyPr>
+          <a:lstStyle/>
+          <a:p>
+            <a:pPr lvl="0"/>
+            <a:r>
+              <a:rPr lang="ru-RU" sz="1800" dirty="0" smtClean="0"/>
+              <a:t>Аутентификация и авторизация;</a:t>
+            </a:r>
+          </a:p>
+          <a:p>
+            <a:pPr lvl="0"/>
+            <a:r>
+              <a:rPr lang="ru-RU" sz="1800" dirty="0" smtClean="0"/>
+              <a:t>Чтение комиксов;</a:t>
+            </a:r>
+          </a:p>
+          <a:p>
+            <a:pPr lvl="0"/>
+            <a:r>
+              <a:rPr lang="ru-RU" sz="1800" dirty="0" smtClean="0"/>
+              <a:t>Возможность оставлять отзывы;</a:t>
+            </a:r>
+          </a:p>
+          <a:p>
+            <a:pPr lvl="0"/>
+            <a:r>
+              <a:rPr lang="ru-RU" sz="1800" dirty="0" smtClean="0"/>
+              <a:t>Добавление в список для чтения;</a:t>
+            </a:r>
+          </a:p>
+          <a:p>
+            <a:pPr lvl="0"/>
+            <a:r>
+              <a:rPr lang="ru-RU" sz="1800" dirty="0" smtClean="0"/>
+              <a:t>Распознавание текста с изображений.</a:t>
+            </a:r>
+          </a:p>
+          <a:p>
+            <a:pPr lvl="0"/>
+            <a:endParaRPr sz="2200" dirty="0"/>
+          </a:p>
+        </p:txBody>
+      </p:sp>
+      <p:sp>
+        <p:nvSpPr>
+          <p:cNvPr id="6" name="Google Shape;115;p14"/>
+          <p:cNvSpPr txBox="1">
+            <a:spLocks noGrp="1"/>
+          </p:cNvSpPr>
+          <p:nvPr>
+            <p:ph type="body" idx="2"/>
+          </p:nvPr>
+        </p:nvSpPr>
+        <p:spPr>
+          <a:xfrm>
+            <a:off x="4888638" y="1349550"/>
+            <a:ext cx="4544353" cy="645506"/>
+          </a:xfrm>
+          <a:prstGeom prst="rect">
+            <a:avLst/>
+          </a:prstGeom>
+        </p:spPr>
+        <p:txBody>
+          <a:bodyPr spcFirstLastPara="1" wrap="square" lIns="91425" tIns="91425" rIns="91425" bIns="91425" anchor="t" anchorCtr="0">
+            <a:noAutofit/>
+          </a:bodyPr>
+          <a:lstStyle/>
+          <a:p>
+            <a:pPr marL="0" lvl="0" indent="0">
+              <a:buNone/>
+            </a:pPr>
+            <a:r>
+              <a:rPr lang="ru-RU" sz="2000" dirty="0" smtClean="0">
+                <a:highlight>
+                  <a:schemeClr val="accent1"/>
+                </a:highlight>
+              </a:rPr>
+              <a:t>Нефункциональные требования</a:t>
+            </a:r>
+            <a:endParaRPr lang="ru-RU" sz="2000" dirty="0"/>
+          </a:p>
+        </p:txBody>
+      </p:sp>
+      <p:sp>
+        <p:nvSpPr>
+          <p:cNvPr id="7" name="Google Shape;115;p14"/>
+          <p:cNvSpPr txBox="1">
+            <a:spLocks noGrp="1"/>
+          </p:cNvSpPr>
+          <p:nvPr>
+            <p:ph type="body" idx="2"/>
+          </p:nvPr>
+        </p:nvSpPr>
+        <p:spPr>
+          <a:xfrm>
+            <a:off x="4888639" y="1889878"/>
+            <a:ext cx="3805305" cy="2689050"/>
+          </a:xfrm>
+          <a:prstGeom prst="rect">
+            <a:avLst/>
+          </a:prstGeom>
+        </p:spPr>
+        <p:txBody>
+          <a:bodyPr spcFirstLastPara="1" wrap="square" lIns="91425" tIns="91425" rIns="91425" bIns="91425" anchor="t" anchorCtr="0">
+            <a:noAutofit/>
+          </a:bodyPr>
+          <a:lstStyle/>
+          <a:p>
+            <a:pPr lvl="0"/>
+            <a:r>
+              <a:rPr lang="ru-RU" sz="1800" dirty="0" smtClean="0"/>
+              <a:t>Дружественный интерфейс;</a:t>
+            </a:r>
+          </a:p>
+          <a:p>
+            <a:pPr lvl="0"/>
+            <a:r>
+              <a:rPr lang="ru-RU" sz="1800" dirty="0" smtClean="0"/>
+              <a:t>Привлекательный дизайн.</a:t>
+            </a:r>
+            <a:endParaRPr sz="2200" dirty="0"/>
           </a:p>
         </p:txBody>
       </p:sp>
@@ -6573,7 +7284,7 @@
       </p:sp>
       <p:pic>
         <p:nvPicPr>
-          <p:cNvPr id="1026" name="Picture 2" descr="Разобраться в asp.net core"/>
+          <p:cNvPr id="1028" name="Picture 4" descr="Купить Photo to Text OCR — Microsoft Store (ru-RU)"/>
           <p:cNvPicPr>
             <a:picLocks noChangeAspect="1" noChangeArrowheads="1"/>
           </p:cNvPicPr>
@@ -6594,8 +7305,8 @@
         </p:blipFill>
         <p:spPr bwMode="auto">
           <a:xfrm>
-            <a:off x="1018310" y="1604354"/>
-            <a:ext cx="4277034" cy="2269652"/>
+            <a:off x="7256109" y="1922793"/>
+            <a:ext cx="1183616" cy="1183616"/>
           </a:xfrm>
           <a:prstGeom prst="rect">
             <a:avLst/>
@@ -6614,9 +7325,9 @@
       </p:pic>
       <p:pic>
         <p:nvPicPr>
-          <p:cNvPr id="1028" name="Picture 4" descr="Купить Photo to Text OCR — Microsoft Store (ru-RU)"/>
+          <p:cNvPr id="2" name="Рисунок 1"/>
           <p:cNvPicPr>
-            <a:picLocks noChangeAspect="1" noChangeArrowheads="1"/>
+            <a:picLocks noChangeAspect="1"/>
           </p:cNvPicPr>
           <p:nvPr/>
         </p:nvPicPr>
@@ -6628,29 +7339,138 @@
               </a:ext>
             </a:extLst>
           </a:blip>
-          <a:srcRect/>
           <a:stretch>
             <a:fillRect/>
           </a:stretch>
         </p:blipFill>
-        <p:spPr bwMode="auto">
+        <p:spPr>
           <a:xfrm>
-            <a:off x="6218236" y="1631899"/>
-            <a:ext cx="2214563" cy="2214563"/>
+            <a:off x="3882688" y="2985272"/>
+            <a:ext cx="2095619" cy="1496871"/>
           </a:xfrm>
           <a:prstGeom prst="rect">
             <a:avLst/>
           </a:prstGeom>
-          <a:noFill/>
-          <a:extLst>
-            <a:ext uri="{909E8E84-426E-40DD-AFC4-6F175D3DCCD1}">
-              <a14:hiddenFill xmlns:a14="http://schemas.microsoft.com/office/drawing/2010/main">
-                <a:solidFill>
-                  <a:srgbClr val="FFFFFF"/>
-                </a:solidFill>
-              </a14:hiddenFill>
-            </a:ext>
-          </a:extLst>
+        </p:spPr>
+      </p:pic>
+      <p:pic>
+        <p:nvPicPr>
+          <p:cNvPr id="3" name="Рисунок 2"/>
+          <p:cNvPicPr>
+            <a:picLocks noChangeAspect="1"/>
+          </p:cNvPicPr>
+          <p:nvPr/>
+        </p:nvPicPr>
+        <p:blipFill>
+          <a:blip r:embed="rId5">
+            <a:extLst>
+              <a:ext uri="{28A0092B-C50C-407E-A947-70E740481C1C}">
+                <a14:useLocalDpi xmlns:a14="http://schemas.microsoft.com/office/drawing/2010/main" val="0"/>
+              </a:ext>
+            </a:extLst>
+          </a:blip>
+          <a:stretch>
+            <a:fillRect/>
+          </a:stretch>
+        </p:blipFill>
+        <p:spPr>
+          <a:xfrm>
+            <a:off x="574916" y="1816206"/>
+            <a:ext cx="1449254" cy="1169066"/>
+          </a:xfrm>
+          <a:prstGeom prst="rect">
+            <a:avLst/>
+          </a:prstGeom>
+        </p:spPr>
+      </p:pic>
+      <p:pic>
+        <p:nvPicPr>
+          <p:cNvPr id="10" name="Рисунок 9"/>
+          <p:cNvPicPr>
+            <a:picLocks noChangeAspect="1"/>
+          </p:cNvPicPr>
+          <p:nvPr/>
+        </p:nvPicPr>
+        <p:blipFill>
+          <a:blip r:embed="rId6">
+            <a:extLst>
+              <a:ext uri="{28A0092B-C50C-407E-A947-70E740481C1C}">
+                <a14:useLocalDpi xmlns:a14="http://schemas.microsoft.com/office/drawing/2010/main" val="0"/>
+              </a:ext>
+            </a:extLst>
+          </a:blip>
+          <a:stretch>
+            <a:fillRect/>
+          </a:stretch>
+        </p:blipFill>
+        <p:spPr>
+          <a:xfrm>
+            <a:off x="1384922" y="3401292"/>
+            <a:ext cx="1883349" cy="1047613"/>
+          </a:xfrm>
+          <a:prstGeom prst="rect">
+            <a:avLst/>
+          </a:prstGeom>
+        </p:spPr>
+      </p:pic>
+      <p:pic>
+        <p:nvPicPr>
+          <p:cNvPr id="11" name="Рисунок 10"/>
+          <p:cNvPicPr>
+            <a:picLocks noChangeAspect="1"/>
+          </p:cNvPicPr>
+          <p:nvPr/>
+        </p:nvPicPr>
+        <p:blipFill>
+          <a:blip r:embed="rId7">
+            <a:extLst>
+              <a:ext uri="{28A0092B-C50C-407E-A947-70E740481C1C}">
+                <a14:useLocalDpi xmlns:a14="http://schemas.microsoft.com/office/drawing/2010/main" val="0"/>
+              </a:ext>
+            </a:extLst>
+          </a:blip>
+          <a:stretch>
+            <a:fillRect/>
+          </a:stretch>
+        </p:blipFill>
+        <p:spPr>
+          <a:xfrm>
+            <a:off x="2542312" y="1587606"/>
+            <a:ext cx="4099380" cy="926995"/>
+          </a:xfrm>
+          <a:prstGeom prst="rect">
+            <a:avLst/>
+          </a:prstGeom>
+        </p:spPr>
+      </p:pic>
+      <p:pic>
+        <p:nvPicPr>
+          <p:cNvPr id="12" name="Рисунок 11"/>
+          <p:cNvPicPr>
+            <a:picLocks noChangeAspect="1"/>
+          </p:cNvPicPr>
+          <p:nvPr/>
+        </p:nvPicPr>
+        <p:blipFill>
+          <a:blip r:embed="rId8">
+            <a:extLst>
+              <a:ext uri="{28A0092B-C50C-407E-A947-70E740481C1C}">
+                <a14:useLocalDpi xmlns:a14="http://schemas.microsoft.com/office/drawing/2010/main" val="0"/>
+              </a:ext>
+            </a:extLst>
+          </a:blip>
+          <a:stretch>
+            <a:fillRect/>
+          </a:stretch>
+        </p:blipFill>
+        <p:spPr>
+          <a:xfrm>
+            <a:off x="6996544" y="3143197"/>
+            <a:ext cx="958879" cy="1181019"/>
+          </a:xfrm>
+          <a:prstGeom prst="rect">
+            <a:avLst/>
+          </a:prstGeom>
         </p:spPr>
       </p:pic>
     </p:spTree>
@@ -6682,6 +7502,170 @@
 </file>
 
 <file path=ppt/slides/slide6.xml><?xml version="1.0" encoding="utf-8"?>
+<p:sld xmlns:a="http://schemas.openxmlformats.org/drawingml/2006/main" xmlns:r="http://schemas.openxmlformats.org/officeDocument/2006/relationships" xmlns:p="http://schemas.openxmlformats.org/presentationml/2006/main">
+  <p:cSld>
+    <p:spTree>
+      <p:nvGrpSpPr>
+        <p:cNvPr id="1" name="Shape 113"/>
+        <p:cNvGrpSpPr/>
+        <p:nvPr/>
+      </p:nvGrpSpPr>
+      <p:grpSpPr>
+        <a:xfrm>
+          <a:off x="0" y="0"/>
+          <a:ext cx="0" cy="0"/>
+          <a:chOff x="0" y="0"/>
+          <a:chExt cx="0" cy="0"/>
+        </a:xfrm>
+      </p:grpSpPr>
+      <p:sp>
+        <p:nvSpPr>
+          <p:cNvPr id="114" name="Google Shape;114;p14"/>
+          <p:cNvSpPr txBox="1">
+            <a:spLocks noGrp="1"/>
+          </p:cNvSpPr>
+          <p:nvPr>
+            <p:ph type="title"/>
+          </p:nvPr>
+        </p:nvSpPr>
+        <p:spPr>
+          <a:xfrm>
+            <a:off x="1101386" y="272850"/>
+            <a:ext cx="7574400" cy="749100"/>
+          </a:xfrm>
+          <a:prstGeom prst="rect">
+            <a:avLst/>
+          </a:prstGeom>
+        </p:spPr>
+        <p:txBody>
+          <a:bodyPr spcFirstLastPara="1" wrap="square" lIns="91425" tIns="91425" rIns="91425" bIns="91425" anchor="ctr" anchorCtr="0">
+            <a:noAutofit/>
+          </a:bodyPr>
+          <a:lstStyle/>
+          <a:p>
+            <a:pPr lvl="0"/>
+            <a:r>
+              <a:rPr lang="en-US" dirty="0" smtClean="0">
+                <a:latin typeface="Blogger Sans Light" panose="02000506030000020004" pitchFamily="50" charset="0"/>
+                <a:ea typeface="Blogger Sans Light" panose="02000506030000020004" pitchFamily="50" charset="0"/>
+              </a:rPr>
+              <a:t>ER</a:t>
+            </a:r>
+            <a:r>
+              <a:rPr lang="ru-RU" dirty="0" smtClean="0">
+                <a:latin typeface="Blogger Sans Light" panose="02000506030000020004" pitchFamily="50" charset="0"/>
+                <a:ea typeface="Blogger Sans Light" panose="02000506030000020004" pitchFamily="50" charset="0"/>
+              </a:rPr>
+              <a:t>-модель базы данных</a:t>
+            </a:r>
+            <a:endParaRPr dirty="0">
+              <a:latin typeface="Blogger Sans Light" panose="02000506030000020004" pitchFamily="50" charset="0"/>
+              <a:ea typeface="Blogger Sans Light" panose="02000506030000020004" pitchFamily="50" charset="0"/>
+            </a:endParaRPr>
+          </a:p>
+        </p:txBody>
+      </p:sp>
+      <p:sp>
+        <p:nvSpPr>
+          <p:cNvPr id="118" name="Google Shape;118;p14"/>
+          <p:cNvSpPr txBox="1">
+            <a:spLocks noGrp="1"/>
+          </p:cNvSpPr>
+          <p:nvPr>
+            <p:ph type="sldNum" idx="12"/>
+          </p:nvPr>
+        </p:nvSpPr>
+        <p:spPr>
+          <a:xfrm>
+            <a:off x="0" y="0"/>
+            <a:ext cx="594900" cy="731700"/>
+          </a:xfrm>
+          <a:prstGeom prst="rect">
+            <a:avLst/>
+          </a:prstGeom>
+        </p:spPr>
+        <p:txBody>
+          <a:bodyPr spcFirstLastPara="1" wrap="square" lIns="91425" tIns="91425" rIns="91425" bIns="91425" anchor="ctr" anchorCtr="0">
+            <a:noAutofit/>
+          </a:bodyPr>
+          <a:lstStyle/>
+          <a:p>
+            <a:pPr marL="0" lvl="0" indent="0" algn="ctr" rtl="0">
+              <a:spcBef>
+                <a:spcPts val="0"/>
+              </a:spcBef>
+              <a:spcAft>
+                <a:spcPts val="0"/>
+              </a:spcAft>
+              <a:buNone/>
+            </a:pPr>
+            <a:fld id="{00000000-1234-1234-1234-123412341234}" type="slidenum">
+              <a:rPr lang="en"/>
+              <a:t>6</a:t>
+            </a:fld>
+            <a:endParaRPr dirty="0"/>
+          </a:p>
+        </p:txBody>
+      </p:sp>
+      <p:pic>
+        <p:nvPicPr>
+          <p:cNvPr id="4" name="Рисунок 3"/>
+          <p:cNvPicPr>
+            <a:picLocks noChangeAspect="1"/>
+          </p:cNvPicPr>
+          <p:nvPr/>
+        </p:nvPicPr>
+        <p:blipFill>
+          <a:blip r:embed="rId3">
+            <a:extLst>
+              <a:ext uri="{28A0092B-C50C-407E-A947-70E740481C1C}">
+                <a14:useLocalDpi xmlns:a14="http://schemas.microsoft.com/office/drawing/2010/main" val="0"/>
+              </a:ext>
+            </a:extLst>
+          </a:blip>
+          <a:stretch>
+            <a:fillRect/>
+          </a:stretch>
+        </p:blipFill>
+        <p:spPr>
+          <a:xfrm>
+            <a:off x="2008909" y="1154736"/>
+            <a:ext cx="5320145" cy="3551480"/>
+          </a:xfrm>
+          <a:prstGeom prst="rect">
+            <a:avLst/>
+          </a:prstGeom>
+        </p:spPr>
+      </p:pic>
+    </p:spTree>
+    <p:extLst>
+      <p:ext uri="{BB962C8B-B14F-4D97-AF65-F5344CB8AC3E}">
+        <p14:creationId xmlns:p14="http://schemas.microsoft.com/office/powerpoint/2010/main" val="4188523390"/>
+      </p:ext>
+    </p:extLst>
+  </p:cSld>
+  <p:clrMapOvr>
+    <a:masterClrMapping/>
+  </p:clrMapOvr>
+  <mc:AlternateContent xmlns:mc="http://schemas.openxmlformats.org/markup-compatibility/2006" xmlns:p14="http://schemas.microsoft.com/office/powerpoint/2010/main">
+    <mc:Choice Requires="p14">
+      <p:transition p14:dur="0"/>
+    </mc:Choice>
+    <mc:Fallback xmlns="">
+      <p:transition/>
+    </mc:Fallback>
+  </mc:AlternateContent>
+  <p:timing>
+    <p:tnLst>
+      <p:par>
+        <p:cTn id="1" dur="indefinite" restart="never" nodeType="tmRoot"/>
+      </p:par>
+    </p:tnLst>
+  </p:timing>
+</p:sld>
+</file>
+
+<file path=ppt/slides/slide7.xml><?xml version="1.0" encoding="utf-8"?>
 <p:sld xmlns:a="http://schemas.openxmlformats.org/drawingml/2006/main" xmlns:r="http://schemas.openxmlformats.org/officeDocument/2006/relationships" xmlns:p="http://schemas.openxmlformats.org/presentationml/2006/main">
   <p:cSld>
     <p:spTree>
@@ -6788,7 +7772,7 @@
             </a:pPr>
             <a:fld id="{00000000-1234-1234-1234-123412341234}" type="slidenum">
               <a:rPr lang="en"/>
-              <a:t>6</a:t>
+              <a:t>7</a:t>
             </a:fld>
             <a:endParaRPr/>
           </a:p>
@@ -6852,7 +7836,7 @@
 </p:sld>
 </file>
 
-<file path=ppt/slides/slide7.xml><?xml version="1.0" encoding="utf-8"?>
+<file path=ppt/slides/slide8.xml><?xml version="1.0" encoding="utf-8"?>
 <p:sld xmlns:a="http://schemas.openxmlformats.org/drawingml/2006/main" xmlns:r="http://schemas.openxmlformats.org/officeDocument/2006/relationships" xmlns:p="http://schemas.openxmlformats.org/presentationml/2006/main">
   <p:cSld>
     <p:spTree>
@@ -6905,7 +7889,7 @@
             </a:pPr>
             <a:fld id="{00000000-1234-1234-1234-123412341234}" type="slidenum">
               <a:rPr lang="en"/>
-              <a:t>7</a:t>
+              <a:t>8</a:t>
             </a:fld>
             <a:endParaRPr/>
           </a:p>
